--- a/backend/templates/new_employee_pl.pptx
+++ b/backend/templates/new_employee_pl.pptx
@@ -243,7 +243,7 @@
           <a:p>
             <a:fld id="{58FB63AF-01B3-49F3-A0A3-B5D12ECE087D}" type="datetimeFigureOut">
               <a:rPr lang="pl-PL" smtClean="0"/>
-              <a:t>04.03.2024</a:t>
+              <a:t>05.03.2024</a:t>
             </a:fld>
             <a:endParaRPr lang="pl-PL"/>
           </a:p>
@@ -413,7 +413,7 @@
           <a:p>
             <a:fld id="{58FB63AF-01B3-49F3-A0A3-B5D12ECE087D}" type="datetimeFigureOut">
               <a:rPr lang="pl-PL" smtClean="0"/>
-              <a:t>04.03.2024</a:t>
+              <a:t>05.03.2024</a:t>
             </a:fld>
             <a:endParaRPr lang="pl-PL"/>
           </a:p>
@@ -593,7 +593,7 @@
           <a:p>
             <a:fld id="{58FB63AF-01B3-49F3-A0A3-B5D12ECE087D}" type="datetimeFigureOut">
               <a:rPr lang="pl-PL" smtClean="0"/>
-              <a:t>04.03.2024</a:t>
+              <a:t>05.03.2024</a:t>
             </a:fld>
             <a:endParaRPr lang="pl-PL"/>
           </a:p>
@@ -1159,7 +1159,7 @@
           <a:p>
             <a:fld id="{58FB63AF-01B3-49F3-A0A3-B5D12ECE087D}" type="datetimeFigureOut">
               <a:rPr lang="pl-PL" smtClean="0"/>
-              <a:t>04.03.2024</a:t>
+              <a:t>05.03.2024</a:t>
             </a:fld>
             <a:endParaRPr lang="pl-PL"/>
           </a:p>
@@ -1405,7 +1405,7 @@
           <a:p>
             <a:fld id="{58FB63AF-01B3-49F3-A0A3-B5D12ECE087D}" type="datetimeFigureOut">
               <a:rPr lang="pl-PL" smtClean="0"/>
-              <a:t>04.03.2024</a:t>
+              <a:t>05.03.2024</a:t>
             </a:fld>
             <a:endParaRPr lang="pl-PL"/>
           </a:p>
@@ -1637,7 +1637,7 @@
           <a:p>
             <a:fld id="{58FB63AF-01B3-49F3-A0A3-B5D12ECE087D}" type="datetimeFigureOut">
               <a:rPr lang="pl-PL" smtClean="0"/>
-              <a:t>04.03.2024</a:t>
+              <a:t>05.03.2024</a:t>
             </a:fld>
             <a:endParaRPr lang="pl-PL"/>
           </a:p>
@@ -2004,7 +2004,7 @@
           <a:p>
             <a:fld id="{58FB63AF-01B3-49F3-A0A3-B5D12ECE087D}" type="datetimeFigureOut">
               <a:rPr lang="pl-PL" smtClean="0"/>
-              <a:t>04.03.2024</a:t>
+              <a:t>05.03.2024</a:t>
             </a:fld>
             <a:endParaRPr lang="pl-PL"/>
           </a:p>
@@ -2122,7 +2122,7 @@
           <a:p>
             <a:fld id="{58FB63AF-01B3-49F3-A0A3-B5D12ECE087D}" type="datetimeFigureOut">
               <a:rPr lang="pl-PL" smtClean="0"/>
-              <a:t>04.03.2024</a:t>
+              <a:t>05.03.2024</a:t>
             </a:fld>
             <a:endParaRPr lang="pl-PL"/>
           </a:p>
@@ -2217,7 +2217,7 @@
           <a:p>
             <a:fld id="{58FB63AF-01B3-49F3-A0A3-B5D12ECE087D}" type="datetimeFigureOut">
               <a:rPr lang="pl-PL" smtClean="0"/>
-              <a:t>04.03.2024</a:t>
+              <a:t>05.03.2024</a:t>
             </a:fld>
             <a:endParaRPr lang="pl-PL"/>
           </a:p>
@@ -2494,7 +2494,7 @@
           <a:p>
             <a:fld id="{58FB63AF-01B3-49F3-A0A3-B5D12ECE087D}" type="datetimeFigureOut">
               <a:rPr lang="pl-PL" smtClean="0"/>
-              <a:t>04.03.2024</a:t>
+              <a:t>05.03.2024</a:t>
             </a:fld>
             <a:endParaRPr lang="pl-PL"/>
           </a:p>
@@ -2751,7 +2751,7 @@
           <a:p>
             <a:fld id="{58FB63AF-01B3-49F3-A0A3-B5D12ECE087D}" type="datetimeFigureOut">
               <a:rPr lang="pl-PL" smtClean="0"/>
-              <a:t>04.03.2024</a:t>
+              <a:t>05.03.2024</a:t>
             </a:fld>
             <a:endParaRPr lang="pl-PL"/>
           </a:p>
@@ -2964,7 +2964,7 @@
           <a:p>
             <a:fld id="{58FB63AF-01B3-49F3-A0A3-B5D12ECE087D}" type="datetimeFigureOut">
               <a:rPr lang="pl-PL" smtClean="0"/>
-              <a:t>04.03.2024</a:t>
+              <a:t>05.03.2024</a:t>
             </a:fld>
             <a:endParaRPr lang="pl-PL"/>
           </a:p>
@@ -3507,8 +3507,8 @@
         </p:nvSpPr>
         <p:spPr>
           <a:xfrm>
-            <a:off x="991925" y="1804842"/>
-            <a:ext cx="1368000" cy="1980000"/>
+            <a:off x="751300" y="1544964"/>
+            <a:ext cx="1839600" cy="2520000"/>
           </a:xfrm>
           <a:prstGeom prst="rect">
             <a:avLst/>
